--- a/Currículo, busca de vagas e candidaturas/#RESUMOCV121.pptx
+++ b/Currículo, busca de vagas e candidaturas/#RESUMOCV121.pptx
@@ -12,6 +12,7 @@
     <p:sldId id="261" r:id="rId6"/>
     <p:sldId id="262" r:id="rId7"/>
     <p:sldId id="264" r:id="rId8"/>
+    <p:sldId id="265" r:id="rId9"/>
   </p:sldIdLst>
   <p:sldSz cx="12192000" cy="6858000"/>
   <p:notesSz cx="6858000" cy="9144000"/>
@@ -5208,6 +5209,89 @@
 </p:sld>
 </file>
 
+<file path=ppt/slides/slide8.xml><?xml version="1.0" encoding="utf-8"?>
+<p:sld xmlns:a="http://schemas.openxmlformats.org/drawingml/2006/main" xmlns:r="http://schemas.openxmlformats.org/officeDocument/2006/relationships" xmlns:p="http://schemas.openxmlformats.org/presentationml/2006/main">
+  <p:cSld>
+    <p:spTree>
+      <p:nvGrpSpPr>
+        <p:cNvPr id="1" name=""/>
+        <p:cNvGrpSpPr/>
+        <p:nvPr/>
+      </p:nvGrpSpPr>
+      <p:grpSpPr>
+        <a:xfrm>
+          <a:off x="0" y="0"/>
+          <a:ext cx="0" cy="0"/>
+          <a:chOff x="0" y="0"/>
+          <a:chExt cx="0" cy="0"/>
+        </a:xfrm>
+      </p:grpSpPr>
+      <p:sp>
+        <p:nvSpPr>
+          <p:cNvPr id="2" name="Título 1">
+            <a:extLst>
+              <a:ext uri="{FF2B5EF4-FFF2-40B4-BE49-F238E27FC236}">
+                <a16:creationId xmlns:a16="http://schemas.microsoft.com/office/drawing/2014/main" id="{653E8B37-C166-1D5D-2A91-44192834B87A}"/>
+              </a:ext>
+            </a:extLst>
+          </p:cNvPr>
+          <p:cNvSpPr>
+            <a:spLocks noGrp="1"/>
+          </p:cNvSpPr>
+          <p:nvPr>
+            <p:ph type="title"/>
+          </p:nvPr>
+        </p:nvSpPr>
+        <p:spPr/>
+        <p:txBody>
+          <a:bodyPr/>
+          <a:lstStyle/>
+          <a:p>
+            <a:r>
+              <a:rPr lang="pt-BR" dirty="0"/>
+              <a:t>Teste</a:t>
+            </a:r>
+          </a:p>
+        </p:txBody>
+      </p:sp>
+      <p:sp>
+        <p:nvSpPr>
+          <p:cNvPr id="3" name="Espaço Reservado para Conteúdo 2">
+            <a:extLst>
+              <a:ext uri="{FF2B5EF4-FFF2-40B4-BE49-F238E27FC236}">
+                <a16:creationId xmlns:a16="http://schemas.microsoft.com/office/drawing/2014/main" id="{4507CD76-C79F-E1AA-5999-800A8BBC57FD}"/>
+              </a:ext>
+            </a:extLst>
+          </p:cNvPr>
+          <p:cNvSpPr>
+            <a:spLocks noGrp="1"/>
+          </p:cNvSpPr>
+          <p:nvPr>
+            <p:ph idx="1"/>
+          </p:nvPr>
+        </p:nvSpPr>
+        <p:spPr/>
+        <p:txBody>
+          <a:bodyPr/>
+          <a:lstStyle/>
+          <a:p>
+            <a:endParaRPr lang="pt-BR"/>
+          </a:p>
+        </p:txBody>
+      </p:sp>
+    </p:spTree>
+    <p:extLst>
+      <p:ext uri="{BB962C8B-B14F-4D97-AF65-F5344CB8AC3E}">
+        <p14:creationId xmlns:p14="http://schemas.microsoft.com/office/powerpoint/2010/main" val="1932027183"/>
+      </p:ext>
+    </p:extLst>
+  </p:cSld>
+  <p:clrMapOvr>
+    <a:masterClrMapping/>
+  </p:clrMapOvr>
+</p:sld>
+</file>
+
 <file path=ppt/theme/theme1.xml><?xml version="1.0" encoding="utf-8"?>
 <a:theme xmlns:a="http://schemas.openxmlformats.org/drawingml/2006/main" name="Retrospectiva">
   <a:themeElements>

--- a/Currículo, busca de vagas e candidaturas/#RESUMOCV121.pptx
+++ b/Currículo, busca de vagas e candidaturas/#RESUMOCV121.pptx
@@ -13,6 +13,7 @@
     <p:sldId id="262" r:id="rId7"/>
     <p:sldId id="264" r:id="rId8"/>
     <p:sldId id="265" r:id="rId9"/>
+    <p:sldId id="266" r:id="rId10"/>
   </p:sldIdLst>
   <p:sldSz cx="12192000" cy="6858000"/>
   <p:notesSz cx="6858000" cy="9144000"/>
@@ -5292,6 +5293,89 @@
 </p:sld>
 </file>
 
+<file path=ppt/slides/slide9.xml><?xml version="1.0" encoding="utf-8"?>
+<p:sld xmlns:a="http://schemas.openxmlformats.org/drawingml/2006/main" xmlns:r="http://schemas.openxmlformats.org/officeDocument/2006/relationships" xmlns:p="http://schemas.openxmlformats.org/presentationml/2006/main">
+  <p:cSld>
+    <p:spTree>
+      <p:nvGrpSpPr>
+        <p:cNvPr id="1" name=""/>
+        <p:cNvGrpSpPr/>
+        <p:nvPr/>
+      </p:nvGrpSpPr>
+      <p:grpSpPr>
+        <a:xfrm>
+          <a:off x="0" y="0"/>
+          <a:ext cx="0" cy="0"/>
+          <a:chOff x="0" y="0"/>
+          <a:chExt cx="0" cy="0"/>
+        </a:xfrm>
+      </p:grpSpPr>
+      <p:sp>
+        <p:nvSpPr>
+          <p:cNvPr id="2" name="Título 1">
+            <a:extLst>
+              <a:ext uri="{FF2B5EF4-FFF2-40B4-BE49-F238E27FC236}">
+                <a16:creationId xmlns:a16="http://schemas.microsoft.com/office/drawing/2014/main" id="{DFF67011-E6CA-02C6-592B-1D020673D939}"/>
+              </a:ext>
+            </a:extLst>
+          </p:cNvPr>
+          <p:cNvSpPr>
+            <a:spLocks noGrp="1"/>
+          </p:cNvSpPr>
+          <p:nvPr>
+            <p:ph type="title"/>
+          </p:nvPr>
+        </p:nvSpPr>
+        <p:spPr/>
+        <p:txBody>
+          <a:bodyPr/>
+          <a:lstStyle/>
+          <a:p>
+            <a:r>
+              <a:rPr lang="pt-BR" dirty="0"/>
+              <a:t>Teste 2</a:t>
+            </a:r>
+          </a:p>
+        </p:txBody>
+      </p:sp>
+      <p:sp>
+        <p:nvSpPr>
+          <p:cNvPr id="3" name="Espaço Reservado para Conteúdo 2">
+            <a:extLst>
+              <a:ext uri="{FF2B5EF4-FFF2-40B4-BE49-F238E27FC236}">
+                <a16:creationId xmlns:a16="http://schemas.microsoft.com/office/drawing/2014/main" id="{069B95B6-651C-93C9-CAE0-57F8213C9D05}"/>
+              </a:ext>
+            </a:extLst>
+          </p:cNvPr>
+          <p:cNvSpPr>
+            <a:spLocks noGrp="1"/>
+          </p:cNvSpPr>
+          <p:nvPr>
+            <p:ph idx="1"/>
+          </p:nvPr>
+        </p:nvSpPr>
+        <p:spPr/>
+        <p:txBody>
+          <a:bodyPr/>
+          <a:lstStyle/>
+          <a:p>
+            <a:endParaRPr lang="pt-BR"/>
+          </a:p>
+        </p:txBody>
+      </p:sp>
+    </p:spTree>
+    <p:extLst>
+      <p:ext uri="{BB962C8B-B14F-4D97-AF65-F5344CB8AC3E}">
+        <p14:creationId xmlns:p14="http://schemas.microsoft.com/office/powerpoint/2010/main" val="3029821065"/>
+      </p:ext>
+    </p:extLst>
+  </p:cSld>
+  <p:clrMapOvr>
+    <a:masterClrMapping/>
+  </p:clrMapOvr>
+</p:sld>
+</file>
+
 <file path=ppt/theme/theme1.xml><?xml version="1.0" encoding="utf-8"?>
 <a:theme xmlns:a="http://schemas.openxmlformats.org/drawingml/2006/main" name="Retrospectiva">
   <a:themeElements>

--- a/Currículo, busca de vagas e candidaturas/#RESUMOCV121.pptx
+++ b/Currículo, busca de vagas e candidaturas/#RESUMOCV121.pptx
@@ -12,8 +12,10 @@
     <p:sldId id="261" r:id="rId6"/>
     <p:sldId id="262" r:id="rId7"/>
     <p:sldId id="264" r:id="rId8"/>
-    <p:sldId id="265" r:id="rId9"/>
-    <p:sldId id="266" r:id="rId10"/>
+    <p:sldId id="266" r:id="rId9"/>
+    <p:sldId id="267" r:id="rId10"/>
+    <p:sldId id="268" r:id="rId11"/>
+    <p:sldId id="270" r:id="rId12"/>
   </p:sldIdLst>
   <p:sldSz cx="12192000" cy="6858000"/>
   <p:notesSz cx="6858000" cy="9144000"/>
@@ -346,7 +348,7 @@
           <a:p>
             <a:fld id="{6B3F1A0F-9E26-483F-99CD-352A5CC85520}" type="datetimeFigureOut">
               <a:rPr lang="pt-BR" smtClean="0"/>
-              <a:t>20/02/2023</a:t>
+              <a:t>24/02/2023</a:t>
             </a:fld>
             <a:endParaRPr lang="pt-BR"/>
           </a:p>
@@ -554,7 +556,7 @@
           <a:p>
             <a:fld id="{6B3F1A0F-9E26-483F-99CD-352A5CC85520}" type="datetimeFigureOut">
               <a:rPr lang="pt-BR" smtClean="0"/>
-              <a:t>20/02/2023</a:t>
+              <a:t>24/02/2023</a:t>
             </a:fld>
             <a:endParaRPr lang="pt-BR"/>
           </a:p>
@@ -810,7 +812,7 @@
           <a:p>
             <a:fld id="{6B3F1A0F-9E26-483F-99CD-352A5CC85520}" type="datetimeFigureOut">
               <a:rPr lang="pt-BR" smtClean="0"/>
-              <a:t>20/02/2023</a:t>
+              <a:t>24/02/2023</a:t>
             </a:fld>
             <a:endParaRPr lang="pt-BR"/>
           </a:p>
@@ -984,7 +986,7 @@
           <a:p>
             <a:fld id="{6B3F1A0F-9E26-483F-99CD-352A5CC85520}" type="datetimeFigureOut">
               <a:rPr lang="pt-BR" smtClean="0"/>
-              <a:t>20/02/2023</a:t>
+              <a:t>24/02/2023</a:t>
             </a:fld>
             <a:endParaRPr lang="pt-BR"/>
           </a:p>
@@ -1327,7 +1329,7 @@
           <a:p>
             <a:fld id="{6B3F1A0F-9E26-483F-99CD-352A5CC85520}" type="datetimeFigureOut">
               <a:rPr lang="pt-BR" smtClean="0"/>
-              <a:t>20/02/2023</a:t>
+              <a:t>24/02/2023</a:t>
             </a:fld>
             <a:endParaRPr lang="pt-BR"/>
           </a:p>
@@ -1602,7 +1604,7 @@
           <a:p>
             <a:fld id="{6B3F1A0F-9E26-483F-99CD-352A5CC85520}" type="datetimeFigureOut">
               <a:rPr lang="pt-BR" smtClean="0"/>
-              <a:t>20/02/2023</a:t>
+              <a:t>24/02/2023</a:t>
             </a:fld>
             <a:endParaRPr lang="pt-BR"/>
           </a:p>
@@ -1981,7 +1983,7 @@
           <a:p>
             <a:fld id="{6B3F1A0F-9E26-483F-99CD-352A5CC85520}" type="datetimeFigureOut">
               <a:rPr lang="pt-BR" smtClean="0"/>
-              <a:t>20/02/2023</a:t>
+              <a:t>24/02/2023</a:t>
             </a:fld>
             <a:endParaRPr lang="pt-BR"/>
           </a:p>
@@ -2099,7 +2101,7 @@
           <a:p>
             <a:fld id="{6B3F1A0F-9E26-483F-99CD-352A5CC85520}" type="datetimeFigureOut">
               <a:rPr lang="pt-BR" smtClean="0"/>
-              <a:t>20/02/2023</a:t>
+              <a:t>24/02/2023</a:t>
             </a:fld>
             <a:endParaRPr lang="pt-BR"/>
           </a:p>
@@ -2270,7 +2272,7 @@
           <a:p>
             <a:fld id="{6B3F1A0F-9E26-483F-99CD-352A5CC85520}" type="datetimeFigureOut">
               <a:rPr lang="pt-BR" smtClean="0"/>
-              <a:t>20/02/2023</a:t>
+              <a:t>24/02/2023</a:t>
             </a:fld>
             <a:endParaRPr lang="pt-BR"/>
           </a:p>
@@ -2624,7 +2626,7 @@
           <a:p>
             <a:fld id="{6B3F1A0F-9E26-483F-99CD-352A5CC85520}" type="datetimeFigureOut">
               <a:rPr lang="pt-BR" smtClean="0"/>
-              <a:t>20/02/2023</a:t>
+              <a:t>24/02/2023</a:t>
             </a:fld>
             <a:endParaRPr lang="pt-BR"/>
           </a:p>
@@ -3006,7 +3008,7 @@
           <a:p>
             <a:fld id="{6B3F1A0F-9E26-483F-99CD-352A5CC85520}" type="datetimeFigureOut">
               <a:rPr lang="pt-BR" smtClean="0"/>
-              <a:t>20/02/2023</a:t>
+              <a:t>24/02/2023</a:t>
             </a:fld>
             <a:endParaRPr lang="pt-BR"/>
           </a:p>
@@ -3293,7 +3295,7 @@
           <a:p>
             <a:fld id="{6B3F1A0F-9E26-483F-99CD-352A5CC85520}" type="datetimeFigureOut">
               <a:rPr lang="pt-BR" smtClean="0"/>
-              <a:t>20/02/2023</a:t>
+              <a:t>24/02/2023</a:t>
             </a:fld>
             <a:endParaRPr lang="pt-BR"/>
           </a:p>
@@ -3906,6 +3908,542 @@
 </p:sld>
 </file>
 
+<file path=ppt/slides/slide10.xml><?xml version="1.0" encoding="utf-8"?>
+<p:sld xmlns:a="http://schemas.openxmlformats.org/drawingml/2006/main" xmlns:r="http://schemas.openxmlformats.org/officeDocument/2006/relationships" xmlns:p="http://schemas.openxmlformats.org/presentationml/2006/main">
+  <p:cSld>
+    <p:spTree>
+      <p:nvGrpSpPr>
+        <p:cNvPr id="1" name=""/>
+        <p:cNvGrpSpPr/>
+        <p:nvPr/>
+      </p:nvGrpSpPr>
+      <p:grpSpPr>
+        <a:xfrm>
+          <a:off x="0" y="0"/>
+          <a:ext cx="0" cy="0"/>
+          <a:chOff x="0" y="0"/>
+          <a:chExt cx="0" cy="0"/>
+        </a:xfrm>
+      </p:grpSpPr>
+      <p:sp>
+        <p:nvSpPr>
+          <p:cNvPr id="2" name="Título 1">
+            <a:extLst>
+              <a:ext uri="{FF2B5EF4-FFF2-40B4-BE49-F238E27FC236}">
+                <a16:creationId xmlns:a16="http://schemas.microsoft.com/office/drawing/2014/main" id="{C0B8BA0D-2834-3F17-88BB-0FDFAA939980}"/>
+              </a:ext>
+            </a:extLst>
+          </p:cNvPr>
+          <p:cNvSpPr>
+            <a:spLocks noGrp="1"/>
+          </p:cNvSpPr>
+          <p:nvPr>
+            <p:ph type="title"/>
+          </p:nvPr>
+        </p:nvSpPr>
+        <p:spPr/>
+        <p:txBody>
+          <a:bodyPr>
+            <a:normAutofit/>
+          </a:bodyPr>
+          <a:lstStyle/>
+          <a:p>
+            <a:r>
+              <a:rPr lang="pt-BR" sz="3600" dirty="0"/>
+              <a:t>Conteúdo |  </a:t>
+            </a:r>
+            <a:r>
+              <a:rPr lang="pt-BR" sz="2400" b="1" dirty="0"/>
+              <a:t>Experiência (</a:t>
+            </a:r>
+            <a:r>
+              <a:rPr lang="pt-BR" sz="2400" b="1" dirty="0" err="1"/>
+              <a:t>pt.II</a:t>
+            </a:r>
+            <a:r>
+              <a:rPr lang="pt-BR" sz="2400" b="1" dirty="0"/>
+              <a:t>) </a:t>
+            </a:r>
+            <a:endParaRPr lang="pt-BR" sz="2400" dirty="0"/>
+          </a:p>
+        </p:txBody>
+      </p:sp>
+      <p:sp>
+        <p:nvSpPr>
+          <p:cNvPr id="3" name="Espaço Reservado para Conteúdo 2">
+            <a:extLst>
+              <a:ext uri="{FF2B5EF4-FFF2-40B4-BE49-F238E27FC236}">
+                <a16:creationId xmlns:a16="http://schemas.microsoft.com/office/drawing/2014/main" id="{DDB8C4F3-A9F5-6150-B820-427C21C62172}"/>
+              </a:ext>
+            </a:extLst>
+          </p:cNvPr>
+          <p:cNvSpPr>
+            <a:spLocks noGrp="1"/>
+          </p:cNvSpPr>
+          <p:nvPr>
+            <p:ph idx="1"/>
+          </p:nvPr>
+        </p:nvSpPr>
+        <p:spPr>
+          <a:xfrm>
+            <a:off x="1097280" y="1872238"/>
+            <a:ext cx="10683904" cy="4197258"/>
+          </a:xfrm>
+        </p:spPr>
+        <p:txBody>
+          <a:bodyPr>
+            <a:normAutofit fontScale="25000" lnSpcReduction="20000"/>
+          </a:bodyPr>
+          <a:lstStyle/>
+          <a:p>
+            <a:pPr marL="0" indent="0">
+              <a:buNone/>
+            </a:pPr>
+            <a:r>
+              <a:rPr lang="pt-BR" sz="5600" b="1" dirty="0"/>
+              <a:t> </a:t>
+            </a:r>
+            <a:r>
+              <a:rPr lang="pt-BR" sz="6400" b="1" dirty="0"/>
+              <a:t>ERROS COMUNS NO CURRÍCULO: </a:t>
+            </a:r>
+          </a:p>
+          <a:p>
+            <a:pPr marL="0" indent="0">
+              <a:buNone/>
+            </a:pPr>
+            <a:br>
+              <a:rPr lang="pt-BR" sz="5600" b="1" dirty="0"/>
+            </a:br>
+            <a:endParaRPr lang="pt-BR" sz="5600" b="1" dirty="0"/>
+          </a:p>
+          <a:p>
+            <a:pPr marL="0" indent="0">
+              <a:buNone/>
+            </a:pPr>
+            <a:r>
+              <a:rPr lang="pt-BR" sz="5600" b="1" dirty="0">
+                <a:effectLst/>
+                <a:latin typeface="Arial" panose="020B0604020202020204" pitchFamily="34" charset="0"/>
+                <a:ea typeface="Calibri" panose="020F0502020204030204" pitchFamily="34" charset="0"/>
+                <a:cs typeface="Times New Roman" panose="02020603050405020304" pitchFamily="18" charset="0"/>
+              </a:rPr>
+              <a:t>#1 </a:t>
+            </a:r>
+            <a:r>
+              <a:rPr lang="pt-BR" sz="5600" dirty="0">
+                <a:effectLst/>
+                <a:latin typeface="Arial" panose="020B0604020202020204" pitchFamily="34" charset="0"/>
+                <a:ea typeface="Calibri" panose="020F0502020204030204" pitchFamily="34" charset="0"/>
+                <a:cs typeface="Times New Roman" panose="02020603050405020304" pitchFamily="18" charset="0"/>
+              </a:rPr>
+              <a:t>| Simplesmente descrever a empresa</a:t>
+            </a:r>
+          </a:p>
+          <a:p>
+            <a:pPr marL="0" indent="0">
+              <a:buNone/>
+            </a:pPr>
+            <a:endParaRPr lang="pt-BR" sz="5600" dirty="0">
+              <a:effectLst/>
+              <a:latin typeface="Arial" panose="020B0604020202020204" pitchFamily="34" charset="0"/>
+              <a:ea typeface="Calibri" panose="020F0502020204030204" pitchFamily="34" charset="0"/>
+              <a:cs typeface="Times New Roman" panose="02020603050405020304" pitchFamily="18" charset="0"/>
+            </a:endParaRPr>
+          </a:p>
+          <a:p>
+            <a:pPr marL="0" indent="0">
+              <a:buNone/>
+            </a:pPr>
+            <a:r>
+              <a:rPr lang="pt-BR" sz="5600" b="1" dirty="0">
+                <a:effectLst/>
+                <a:latin typeface="Arial" panose="020B0604020202020204" pitchFamily="34" charset="0"/>
+                <a:ea typeface="Calibri" panose="020F0502020204030204" pitchFamily="34" charset="0"/>
+                <a:cs typeface="Times New Roman" panose="02020603050405020304" pitchFamily="18" charset="0"/>
+              </a:rPr>
+              <a:t>#2 </a:t>
+            </a:r>
+            <a:r>
+              <a:rPr lang="pt-BR" sz="5600" dirty="0">
+                <a:effectLst/>
+                <a:latin typeface="Arial" panose="020B0604020202020204" pitchFamily="34" charset="0"/>
+                <a:ea typeface="Calibri" panose="020F0502020204030204" pitchFamily="34" charset="0"/>
+                <a:cs typeface="Times New Roman" panose="02020603050405020304" pitchFamily="18" charset="0"/>
+              </a:rPr>
+              <a:t>| Escrever apenas os fatos</a:t>
+            </a:r>
+          </a:p>
+          <a:p>
+            <a:pPr marL="0" indent="0">
+              <a:buNone/>
+            </a:pPr>
+            <a:endParaRPr lang="pt-BR" sz="5600" dirty="0">
+              <a:effectLst/>
+              <a:latin typeface="Arial" panose="020B0604020202020204" pitchFamily="34" charset="0"/>
+              <a:ea typeface="Calibri" panose="020F0502020204030204" pitchFamily="34" charset="0"/>
+              <a:cs typeface="Times New Roman" panose="02020603050405020304" pitchFamily="18" charset="0"/>
+            </a:endParaRPr>
+          </a:p>
+          <a:p>
+            <a:pPr marL="0" indent="0">
+              <a:buNone/>
+            </a:pPr>
+            <a:r>
+              <a:rPr lang="pt-BR" sz="5600" b="1" dirty="0">
+                <a:effectLst/>
+                <a:latin typeface="Arial" panose="020B0604020202020204" pitchFamily="34" charset="0"/>
+                <a:ea typeface="Calibri" panose="020F0502020204030204" pitchFamily="34" charset="0"/>
+                <a:cs typeface="Times New Roman" panose="02020603050405020304" pitchFamily="18" charset="0"/>
+              </a:rPr>
+              <a:t>#3 </a:t>
+            </a:r>
+            <a:r>
+              <a:rPr lang="pt-BR" sz="5600" dirty="0">
+                <a:effectLst/>
+                <a:latin typeface="Arial" panose="020B0604020202020204" pitchFamily="34" charset="0"/>
+                <a:ea typeface="Calibri" panose="020F0502020204030204" pitchFamily="34" charset="0"/>
+                <a:cs typeface="Times New Roman" panose="02020603050405020304" pitchFamily="18" charset="0"/>
+              </a:rPr>
+              <a:t>| Não desenvolver o que foi feito</a:t>
+            </a:r>
+          </a:p>
+          <a:p>
+            <a:pPr marL="0" indent="0">
+              <a:buNone/>
+            </a:pPr>
+            <a:endParaRPr lang="pt-BR" sz="5600" dirty="0">
+              <a:effectLst/>
+              <a:latin typeface="Arial" panose="020B0604020202020204" pitchFamily="34" charset="0"/>
+              <a:ea typeface="Calibri" panose="020F0502020204030204" pitchFamily="34" charset="0"/>
+              <a:cs typeface="Times New Roman" panose="02020603050405020304" pitchFamily="18" charset="0"/>
+            </a:endParaRPr>
+          </a:p>
+          <a:p>
+            <a:pPr marL="0" indent="0">
+              <a:buNone/>
+            </a:pPr>
+            <a:r>
+              <a:rPr lang="pt-BR" sz="5600" b="1" dirty="0">
+                <a:effectLst/>
+                <a:latin typeface="Arial" panose="020B0604020202020204" pitchFamily="34" charset="0"/>
+                <a:ea typeface="Calibri" panose="020F0502020204030204" pitchFamily="34" charset="0"/>
+                <a:cs typeface="Times New Roman" panose="02020603050405020304" pitchFamily="18" charset="0"/>
+              </a:rPr>
+              <a:t>#4 </a:t>
+            </a:r>
+            <a:r>
+              <a:rPr lang="pt-BR" sz="5600" dirty="0">
+                <a:effectLst/>
+                <a:latin typeface="Arial" panose="020B0604020202020204" pitchFamily="34" charset="0"/>
+                <a:ea typeface="Calibri" panose="020F0502020204030204" pitchFamily="34" charset="0"/>
+                <a:cs typeface="Times New Roman" panose="02020603050405020304" pitchFamily="18" charset="0"/>
+              </a:rPr>
+              <a:t>| Fazer descrições genéricas </a:t>
+            </a:r>
+          </a:p>
+          <a:p>
+            <a:pPr marL="0" indent="0">
+              <a:buNone/>
+            </a:pPr>
+            <a:endParaRPr lang="pt-BR" sz="5600" dirty="0">
+              <a:latin typeface="Arial" panose="020B0604020202020204" pitchFamily="34" charset="0"/>
+              <a:ea typeface="Calibri" panose="020F0502020204030204" pitchFamily="34" charset="0"/>
+              <a:cs typeface="Times New Roman" panose="02020603050405020304" pitchFamily="18" charset="0"/>
+            </a:endParaRPr>
+          </a:p>
+          <a:p>
+            <a:pPr marL="0" indent="0">
+              <a:buNone/>
+            </a:pPr>
+            <a:r>
+              <a:rPr lang="pt-BR" sz="5600" b="1" dirty="0">
+                <a:effectLst/>
+                <a:latin typeface="Arial" panose="020B0604020202020204" pitchFamily="34" charset="0"/>
+                <a:ea typeface="Calibri" panose="020F0502020204030204" pitchFamily="34" charset="0"/>
+                <a:cs typeface="Times New Roman" panose="02020603050405020304" pitchFamily="18" charset="0"/>
+              </a:rPr>
+              <a:t>#5 </a:t>
+            </a:r>
+            <a:r>
+              <a:rPr lang="pt-BR" sz="5600" dirty="0">
+                <a:effectLst/>
+                <a:latin typeface="Arial" panose="020B0604020202020204" pitchFamily="34" charset="0"/>
+                <a:ea typeface="Calibri" panose="020F0502020204030204" pitchFamily="34" charset="0"/>
+                <a:cs typeface="Times New Roman" panose="02020603050405020304" pitchFamily="18" charset="0"/>
+              </a:rPr>
+              <a:t>| Siglas e termos técnicos sem contexto </a:t>
+            </a:r>
+            <a:br>
+              <a:rPr lang="pt-BR" sz="5000" dirty="0">
+                <a:effectLst/>
+                <a:latin typeface="Arial" panose="020B0604020202020204" pitchFamily="34" charset="0"/>
+                <a:ea typeface="Calibri" panose="020F0502020204030204" pitchFamily="34" charset="0"/>
+                <a:cs typeface="Times New Roman" panose="02020603050405020304" pitchFamily="18" charset="0"/>
+              </a:rPr>
+            </a:br>
+            <a:endParaRPr lang="pt-BR" sz="1800" kern="0" dirty="0">
+              <a:latin typeface="Arial" panose="020B0604020202020204" pitchFamily="34" charset="0"/>
+              <a:ea typeface="Calibri" panose="020F0502020204030204" pitchFamily="34" charset="0"/>
+              <a:cs typeface="Times New Roman" panose="02020603050405020304" pitchFamily="18" charset="0"/>
+            </a:endParaRPr>
+          </a:p>
+          <a:p>
+            <a:pPr marL="0" indent="0">
+              <a:buNone/>
+            </a:pPr>
+            <a:endParaRPr lang="pt-BR" sz="3800" dirty="0"/>
+          </a:p>
+          <a:p>
+            <a:pPr marL="0" indent="0">
+              <a:buNone/>
+            </a:pPr>
+            <a:endParaRPr lang="pt-BR" sz="3800" dirty="0"/>
+          </a:p>
+          <a:p>
+            <a:pPr>
+              <a:buFontTx/>
+              <a:buChar char="-"/>
+            </a:pPr>
+            <a:endParaRPr lang="pt-BR" sz="1800" dirty="0"/>
+          </a:p>
+          <a:p>
+            <a:pPr marL="0" indent="0">
+              <a:buNone/>
+            </a:pPr>
+            <a:r>
+              <a:rPr lang="pt-BR" sz="1800" b="1" dirty="0"/>
+              <a:t>   </a:t>
+            </a:r>
+          </a:p>
+          <a:p>
+            <a:pPr marL="0" indent="0">
+              <a:buNone/>
+            </a:pPr>
+            <a:br>
+              <a:rPr lang="pt-BR" sz="1700" b="1" dirty="0"/>
+            </a:br>
+            <a:endParaRPr lang="pt-BR" sz="1700" dirty="0"/>
+          </a:p>
+          <a:p>
+            <a:pPr marL="292608" lvl="1" indent="0">
+              <a:buNone/>
+            </a:pPr>
+            <a:endParaRPr lang="pt-BR" sz="1600" kern="0" dirty="0">
+              <a:effectLst/>
+              <a:latin typeface="Arial" panose="020B0604020202020204" pitchFamily="34" charset="0"/>
+              <a:ea typeface="Calibri" panose="020F0502020204030204" pitchFamily="34" charset="0"/>
+              <a:cs typeface="Times New Roman" panose="02020603050405020304" pitchFamily="18" charset="0"/>
+            </a:endParaRPr>
+          </a:p>
+        </p:txBody>
+      </p:sp>
+    </p:spTree>
+    <p:extLst>
+      <p:ext uri="{BB962C8B-B14F-4D97-AF65-F5344CB8AC3E}">
+        <p14:creationId xmlns:p14="http://schemas.microsoft.com/office/powerpoint/2010/main" val="68090250"/>
+      </p:ext>
+    </p:extLst>
+  </p:cSld>
+  <p:clrMapOvr>
+    <a:masterClrMapping/>
+  </p:clrMapOvr>
+</p:sld>
+</file>
+
+<file path=ppt/slides/slide11.xml><?xml version="1.0" encoding="utf-8"?>
+<p:sld xmlns:a="http://schemas.openxmlformats.org/drawingml/2006/main" xmlns:r="http://schemas.openxmlformats.org/officeDocument/2006/relationships" xmlns:p="http://schemas.openxmlformats.org/presentationml/2006/main">
+  <p:cSld>
+    <p:spTree>
+      <p:nvGrpSpPr>
+        <p:cNvPr id="1" name=""/>
+        <p:cNvGrpSpPr/>
+        <p:nvPr/>
+      </p:nvGrpSpPr>
+      <p:grpSpPr>
+        <a:xfrm>
+          <a:off x="0" y="0"/>
+          <a:ext cx="0" cy="0"/>
+          <a:chOff x="0" y="0"/>
+          <a:chExt cx="0" cy="0"/>
+        </a:xfrm>
+      </p:grpSpPr>
+      <p:sp>
+        <p:nvSpPr>
+          <p:cNvPr id="2" name="Título 1">
+            <a:extLst>
+              <a:ext uri="{FF2B5EF4-FFF2-40B4-BE49-F238E27FC236}">
+                <a16:creationId xmlns:a16="http://schemas.microsoft.com/office/drawing/2014/main" id="{C0B8BA0D-2834-3F17-88BB-0FDFAA939980}"/>
+              </a:ext>
+            </a:extLst>
+          </p:cNvPr>
+          <p:cNvSpPr>
+            <a:spLocks noGrp="1"/>
+          </p:cNvSpPr>
+          <p:nvPr>
+            <p:ph type="title"/>
+          </p:nvPr>
+        </p:nvSpPr>
+        <p:spPr/>
+        <p:txBody>
+          <a:bodyPr>
+            <a:normAutofit/>
+          </a:bodyPr>
+          <a:lstStyle/>
+          <a:p>
+            <a:r>
+              <a:rPr lang="pt-BR" sz="3600" dirty="0"/>
+              <a:t>Conteúdo |  </a:t>
+            </a:r>
+            <a:r>
+              <a:rPr lang="pt-BR" sz="2400" b="1" dirty="0"/>
+              <a:t>Experiência (</a:t>
+            </a:r>
+            <a:r>
+              <a:rPr lang="pt-BR" sz="2400" b="1" dirty="0" err="1"/>
+              <a:t>pt.II</a:t>
+            </a:r>
+            <a:r>
+              <a:rPr lang="pt-BR" sz="2400" b="1" dirty="0"/>
+              <a:t>) </a:t>
+            </a:r>
+            <a:endParaRPr lang="pt-BR" sz="2400" dirty="0"/>
+          </a:p>
+        </p:txBody>
+      </p:sp>
+      <p:sp>
+        <p:nvSpPr>
+          <p:cNvPr id="3" name="Espaço Reservado para Conteúdo 2">
+            <a:extLst>
+              <a:ext uri="{FF2B5EF4-FFF2-40B4-BE49-F238E27FC236}">
+                <a16:creationId xmlns:a16="http://schemas.microsoft.com/office/drawing/2014/main" id="{DDB8C4F3-A9F5-6150-B820-427C21C62172}"/>
+              </a:ext>
+            </a:extLst>
+          </p:cNvPr>
+          <p:cNvSpPr>
+            <a:spLocks noGrp="1"/>
+          </p:cNvSpPr>
+          <p:nvPr>
+            <p:ph idx="1"/>
+          </p:nvPr>
+        </p:nvSpPr>
+        <p:spPr>
+          <a:xfrm>
+            <a:off x="1097280" y="1872238"/>
+            <a:ext cx="10683904" cy="4197258"/>
+          </a:xfrm>
+        </p:spPr>
+        <p:txBody>
+          <a:bodyPr>
+            <a:normAutofit/>
+          </a:bodyPr>
+          <a:lstStyle/>
+          <a:p>
+            <a:pPr marL="0" indent="0">
+              <a:buNone/>
+            </a:pPr>
+            <a:r>
+              <a:rPr lang="pt-BR" kern="0" dirty="0">
+                <a:latin typeface="Arial" panose="020B0604020202020204" pitchFamily="34" charset="0"/>
+                <a:ea typeface="Calibri" panose="020F0502020204030204" pitchFamily="34" charset="0"/>
+                <a:cs typeface="Times New Roman" panose="02020603050405020304" pitchFamily="18" charset="0"/>
+              </a:rPr>
+              <a:t>Exemplo para seguir: </a:t>
+            </a:r>
+          </a:p>
+          <a:p>
+            <a:pPr marL="0" indent="0">
+              <a:buNone/>
+            </a:pPr>
+            <a:endParaRPr lang="pt-BR" sz="3800" dirty="0"/>
+          </a:p>
+          <a:p>
+            <a:pPr marL="0" indent="0">
+              <a:buNone/>
+            </a:pPr>
+            <a:endParaRPr lang="pt-BR" sz="3800" dirty="0"/>
+          </a:p>
+          <a:p>
+            <a:pPr>
+              <a:buFontTx/>
+              <a:buChar char="-"/>
+            </a:pPr>
+            <a:endParaRPr lang="pt-BR" sz="1800" dirty="0"/>
+          </a:p>
+          <a:p>
+            <a:pPr marL="0" indent="0">
+              <a:buNone/>
+            </a:pPr>
+            <a:r>
+              <a:rPr lang="pt-BR" sz="1800" b="1" dirty="0"/>
+              <a:t>   </a:t>
+            </a:r>
+          </a:p>
+          <a:p>
+            <a:pPr marL="0" indent="0">
+              <a:buNone/>
+            </a:pPr>
+            <a:br>
+              <a:rPr lang="pt-BR" sz="1700" b="1" dirty="0"/>
+            </a:br>
+            <a:endParaRPr lang="pt-BR" sz="1700" dirty="0"/>
+          </a:p>
+          <a:p>
+            <a:pPr marL="292608" lvl="1" indent="0">
+              <a:buNone/>
+            </a:pPr>
+            <a:endParaRPr lang="pt-BR" sz="1600" kern="0" dirty="0">
+              <a:effectLst/>
+              <a:latin typeface="Arial" panose="020B0604020202020204" pitchFamily="34" charset="0"/>
+              <a:ea typeface="Calibri" panose="020F0502020204030204" pitchFamily="34" charset="0"/>
+              <a:cs typeface="Times New Roman" panose="02020603050405020304" pitchFamily="18" charset="0"/>
+            </a:endParaRPr>
+          </a:p>
+        </p:txBody>
+      </p:sp>
+      <p:pic>
+        <p:nvPicPr>
+          <p:cNvPr id="4" name="Imagem 3">
+            <a:extLst>
+              <a:ext uri="{FF2B5EF4-FFF2-40B4-BE49-F238E27FC236}">
+                <a16:creationId xmlns:a16="http://schemas.microsoft.com/office/drawing/2014/main" id="{FF4C00FC-BFD5-F109-D8BA-43965360FD60}"/>
+              </a:ext>
+            </a:extLst>
+          </p:cNvPr>
+          <p:cNvPicPr>
+            <a:picLocks noChangeAspect="1"/>
+          </p:cNvPicPr>
+          <p:nvPr/>
+        </p:nvPicPr>
+        <p:blipFill>
+          <a:blip r:embed="rId2"/>
+          <a:stretch>
+            <a:fillRect/>
+          </a:stretch>
+        </p:blipFill>
+        <p:spPr>
+          <a:xfrm>
+            <a:off x="1097279" y="2594012"/>
+            <a:ext cx="5828291" cy="3276701"/>
+          </a:xfrm>
+          <a:prstGeom prst="rect">
+            <a:avLst/>
+          </a:prstGeom>
+        </p:spPr>
+      </p:pic>
+    </p:spTree>
+    <p:extLst>
+      <p:ext uri="{BB962C8B-B14F-4D97-AF65-F5344CB8AC3E}">
+        <p14:creationId xmlns:p14="http://schemas.microsoft.com/office/powerpoint/2010/main" val="2147802794"/>
+      </p:ext>
+    </p:extLst>
+  </p:cSld>
+  <p:clrMapOvr>
+    <a:masterClrMapping/>
+  </p:clrMapOvr>
+</p:sld>
+</file>
+
 <file path=ppt/slides/slide2.xml><?xml version="1.0" encoding="utf-8"?>
 <p:sld xmlns:a="http://schemas.openxmlformats.org/drawingml/2006/main" xmlns:r="http://schemas.openxmlformats.org/officeDocument/2006/relationships" xmlns:p="http://schemas.openxmlformats.org/presentationml/2006/main">
   <p:cSld>
@@ -4224,12 +4762,12 @@
           <a:lstStyle/>
           <a:p>
             <a:r>
-              <a:rPr lang="pt-BR" sz="4000" dirty="0" err="1"/>
+              <a:rPr lang="pt-BR" sz="3600" dirty="0" err="1"/>
               <a:t>Pré</a:t>
             </a:r>
             <a:r>
-              <a:rPr lang="pt-BR" sz="4000" dirty="0"/>
-              <a:t> conteúdo - </a:t>
+              <a:rPr lang="pt-BR" sz="3600" dirty="0"/>
+              <a:t> conteúdo | </a:t>
             </a:r>
             <a:r>
               <a:rPr lang="pt-BR" sz="2400" b="1" dirty="0"/>
@@ -4529,12 +5067,16 @@
           <a:lstStyle/>
           <a:p>
             <a:r>
-              <a:rPr lang="pt-BR" sz="4000" dirty="0" err="1"/>
+              <a:rPr lang="pt-BR" sz="3600" dirty="0" err="1"/>
               <a:t>Pré</a:t>
             </a:r>
             <a:r>
-              <a:rPr lang="pt-BR" sz="4000" dirty="0"/>
-              <a:t> conteúdo – </a:t>
+              <a:rPr lang="pt-BR" sz="3600" dirty="0"/>
+              <a:t> conteúdo </a:t>
+            </a:r>
+            <a:r>
+              <a:rPr lang="pt-BR" sz="2800" dirty="0"/>
+              <a:t>| </a:t>
             </a:r>
             <a:r>
               <a:rPr lang="pt-BR" sz="2400" b="1" dirty="0"/>
@@ -4768,12 +5310,12 @@
           <a:lstStyle/>
           <a:p>
             <a:r>
-              <a:rPr lang="pt-BR" sz="4000" dirty="0" err="1"/>
+              <a:rPr lang="pt-BR" sz="3600" dirty="0" err="1"/>
               <a:t>Pré</a:t>
             </a:r>
             <a:r>
-              <a:rPr lang="pt-BR" sz="4000" dirty="0"/>
-              <a:t> conteúdo – </a:t>
+              <a:rPr lang="pt-BR" sz="3600" dirty="0"/>
+              <a:t> conteúdo | </a:t>
             </a:r>
             <a:r>
               <a:rPr lang="pt-BR" sz="2400" b="1" dirty="0"/>
@@ -4996,13 +5538,13 @@
             </a:r>
             <a:r>
               <a:rPr lang="pt-BR" sz="3600" dirty="0"/>
-              <a:t> conteúdo – </a:t>
-            </a:r>
-            <a:r>
-              <a:rPr lang="pt-BR" sz="3600" b="1" dirty="0"/>
+              <a:t> conteúdo |  </a:t>
+            </a:r>
+            <a:r>
+              <a:rPr lang="pt-BR" sz="2400" b="1" dirty="0"/>
               <a:t>ANTES DE MONTAR O CURRÍCULO</a:t>
             </a:r>
-            <a:endParaRPr lang="pt-BR" sz="3600" dirty="0"/>
+            <a:endParaRPr lang="pt-BR" sz="2400" dirty="0"/>
           </a:p>
         </p:txBody>
       </p:sp>
@@ -5232,7 +5774,7 @@
           <p:cNvPr id="2" name="Título 1">
             <a:extLst>
               <a:ext uri="{FF2B5EF4-FFF2-40B4-BE49-F238E27FC236}">
-                <a16:creationId xmlns:a16="http://schemas.microsoft.com/office/drawing/2014/main" id="{653E8B37-C166-1D5D-2A91-44192834B87A}"/>
+                <a16:creationId xmlns:a16="http://schemas.microsoft.com/office/drawing/2014/main" id="{C0B8BA0D-2834-3F17-88BB-0FDFAA939980}"/>
               </a:ext>
             </a:extLst>
           </p:cNvPr>
@@ -5245,13 +5787,20 @@
         </p:nvSpPr>
         <p:spPr/>
         <p:txBody>
-          <a:bodyPr/>
-          <a:lstStyle/>
-          <a:p>
-            <a:r>
-              <a:rPr lang="pt-BR" dirty="0"/>
-              <a:t>Teste</a:t>
-            </a:r>
+          <a:bodyPr>
+            <a:normAutofit/>
+          </a:bodyPr>
+          <a:lstStyle/>
+          <a:p>
+            <a:r>
+              <a:rPr lang="pt-BR" sz="3600" dirty="0"/>
+              <a:t>Conteúdo |  </a:t>
+            </a:r>
+            <a:r>
+              <a:rPr lang="pt-BR" sz="2400" b="1" dirty="0"/>
+              <a:t>Introdução, Nome e Objetivo</a:t>
+            </a:r>
+            <a:endParaRPr lang="pt-BR" sz="2400" dirty="0"/>
           </a:p>
         </p:txBody>
       </p:sp>
@@ -5260,7 +5809,7 @@
           <p:cNvPr id="3" name="Espaço Reservado para Conteúdo 2">
             <a:extLst>
               <a:ext uri="{FF2B5EF4-FFF2-40B4-BE49-F238E27FC236}">
-                <a16:creationId xmlns:a16="http://schemas.microsoft.com/office/drawing/2014/main" id="{4507CD76-C79F-E1AA-5999-800A8BBC57FD}"/>
+                <a16:creationId xmlns:a16="http://schemas.microsoft.com/office/drawing/2014/main" id="{DDB8C4F3-A9F5-6150-B820-427C21C62172}"/>
               </a:ext>
             </a:extLst>
           </p:cNvPr>
@@ -5271,19 +5820,185 @@
             <p:ph idx="1"/>
           </p:nvPr>
         </p:nvSpPr>
-        <p:spPr/>
-        <p:txBody>
-          <a:bodyPr/>
-          <a:lstStyle/>
-          <a:p>
-            <a:endParaRPr lang="pt-BR"/>
+        <p:spPr>
+          <a:xfrm>
+            <a:off x="1097280" y="1872238"/>
+            <a:ext cx="10803172" cy="4409292"/>
+          </a:xfrm>
+        </p:spPr>
+        <p:txBody>
+          <a:bodyPr>
+            <a:normAutofit fontScale="25000" lnSpcReduction="20000"/>
+          </a:bodyPr>
+          <a:lstStyle/>
+          <a:p>
+            <a:pPr marL="0" indent="0">
+              <a:buNone/>
+            </a:pPr>
+            <a:r>
+              <a:rPr lang="pt-BR" sz="6400" b="1" dirty="0"/>
+              <a:t>  </a:t>
+            </a:r>
+          </a:p>
+          <a:p>
+            <a:pPr marL="0" indent="0">
+              <a:buNone/>
+            </a:pPr>
+            <a:r>
+              <a:rPr lang="pt-BR" sz="7200" b="1" dirty="0"/>
+              <a:t>   ORDEM DE IMPORTÂNCIA NO CURRÍCULO -&gt; HIERARQUIA DA INFORMAÇÃO:</a:t>
+            </a:r>
+          </a:p>
+          <a:p>
+            <a:pPr marL="342900" indent="-342900">
+              <a:buFont typeface="+mj-lt"/>
+              <a:buAutoNum type="arabicPeriod"/>
+            </a:pPr>
+            <a:endParaRPr lang="pt-BR" sz="3400" b="1" dirty="0"/>
+          </a:p>
+          <a:p>
+            <a:pPr marL="544068" lvl="1" indent="-342900">
+              <a:buFont typeface="+mj-lt"/>
+              <a:buAutoNum type="arabicPeriod"/>
+            </a:pPr>
+            <a:r>
+              <a:rPr lang="pt-BR" sz="7200" b="1" dirty="0"/>
+              <a:t>       </a:t>
+            </a:r>
+            <a:r>
+              <a:rPr lang="pt-BR" sz="7200" dirty="0"/>
+              <a:t>Nome = Título</a:t>
+            </a:r>
+          </a:p>
+          <a:p>
+            <a:pPr marL="544068" lvl="1" indent="-342900">
+              <a:buFont typeface="+mj-lt"/>
+              <a:buAutoNum type="arabicPeriod"/>
+            </a:pPr>
+            <a:endParaRPr lang="pt-BR" sz="7200" dirty="0"/>
+          </a:p>
+          <a:p>
+            <a:pPr marL="544068" lvl="1" indent="-342900">
+              <a:buFont typeface="+mj-lt"/>
+              <a:buAutoNum type="arabicPeriod"/>
+            </a:pPr>
+            <a:r>
+              <a:rPr lang="pt-BR" sz="7200" dirty="0"/>
+              <a:t>       Objetivo = Subtítulo</a:t>
+            </a:r>
+          </a:p>
+          <a:p>
+            <a:pPr marL="544068" lvl="1" indent="-342900">
+              <a:buFont typeface="+mj-lt"/>
+              <a:buAutoNum type="arabicPeriod"/>
+            </a:pPr>
+            <a:endParaRPr lang="pt-BR" sz="7200" dirty="0"/>
+          </a:p>
+          <a:p>
+            <a:pPr marL="544068" lvl="1" indent="-342900">
+              <a:buFont typeface="+mj-lt"/>
+              <a:buAutoNum type="arabicPeriod"/>
+            </a:pPr>
+            <a:r>
+              <a:rPr lang="pt-BR" sz="7200" dirty="0"/>
+              <a:t>       Experiências = Título, subtítulo e conteúdo</a:t>
+            </a:r>
+          </a:p>
+          <a:p>
+            <a:pPr marL="544068" lvl="1" indent="-342900">
+              <a:buFont typeface="+mj-lt"/>
+              <a:buAutoNum type="arabicPeriod"/>
+            </a:pPr>
+            <a:endParaRPr lang="pt-BR" sz="7200" dirty="0"/>
+          </a:p>
+          <a:p>
+            <a:pPr marL="544068" lvl="1" indent="-342900">
+              <a:buFont typeface="+mj-lt"/>
+              <a:buAutoNum type="arabicPeriod"/>
+            </a:pPr>
+            <a:r>
+              <a:rPr lang="pt-BR" sz="7200" dirty="0"/>
+              <a:t>       Educação </a:t>
+            </a:r>
+          </a:p>
+          <a:p>
+            <a:pPr marL="544068" lvl="1" indent="-342900">
+              <a:buFont typeface="+mj-lt"/>
+              <a:buAutoNum type="arabicPeriod"/>
+            </a:pPr>
+            <a:endParaRPr lang="pt-BR" sz="7200" dirty="0"/>
+          </a:p>
+          <a:p>
+            <a:pPr marL="544068" lvl="1" indent="-342900">
+              <a:buFont typeface="+mj-lt"/>
+              <a:buAutoNum type="arabicPeriod"/>
+            </a:pPr>
+            <a:r>
+              <a:rPr lang="pt-BR" sz="7200" dirty="0"/>
+              <a:t>       Habilidades</a:t>
+            </a:r>
+          </a:p>
+          <a:p>
+            <a:pPr marL="544068" lvl="1" indent="-342900">
+              <a:buFont typeface="+mj-lt"/>
+              <a:buAutoNum type="arabicPeriod"/>
+            </a:pPr>
+            <a:endParaRPr lang="pt-BR" sz="7200" dirty="0"/>
+          </a:p>
+          <a:p>
+            <a:pPr marL="544068" lvl="1" indent="-342900">
+              <a:buFont typeface="+mj-lt"/>
+              <a:buAutoNum type="arabicPeriod"/>
+            </a:pPr>
+            <a:r>
+              <a:rPr lang="pt-BR" sz="7200" dirty="0"/>
+              <a:t>       Contato </a:t>
+            </a:r>
+          </a:p>
+          <a:p>
+            <a:pPr lvl="1">
+              <a:buFont typeface="Wingdings" panose="05000000000000000000" pitchFamily="2" charset="2"/>
+              <a:buChar char="q"/>
+            </a:pPr>
+            <a:endParaRPr lang="pt-BR" sz="7200" dirty="0"/>
+          </a:p>
+          <a:p>
+            <a:pPr>
+              <a:buFont typeface="Wingdings" panose="05000000000000000000" pitchFamily="2" charset="2"/>
+              <a:buChar char="q"/>
+            </a:pPr>
+            <a:endParaRPr lang="pt-BR" sz="7200" b="1" dirty="0"/>
+          </a:p>
+          <a:p>
+            <a:pPr marL="0" indent="0">
+              <a:buNone/>
+            </a:pPr>
+            <a:r>
+              <a:rPr lang="pt-BR" sz="7200" b="1" dirty="0"/>
+              <a:t>	</a:t>
+            </a:r>
+            <a:br>
+              <a:rPr lang="pt-BR" sz="1700" b="1" dirty="0"/>
+            </a:br>
+            <a:endParaRPr lang="pt-BR" sz="1700" dirty="0"/>
+          </a:p>
+          <a:p>
+            <a:pPr marL="292608" lvl="1" indent="0">
+              <a:buNone/>
+            </a:pPr>
+            <a:endParaRPr lang="pt-BR" sz="1600" kern="0" dirty="0">
+              <a:effectLst/>
+              <a:latin typeface="Arial" panose="020B0604020202020204" pitchFamily="34" charset="0"/>
+              <a:ea typeface="Calibri" panose="020F0502020204030204" pitchFamily="34" charset="0"/>
+              <a:cs typeface="Times New Roman" panose="02020603050405020304" pitchFamily="18" charset="0"/>
+            </a:endParaRPr>
           </a:p>
         </p:txBody>
       </p:sp>
     </p:spTree>
     <p:extLst>
       <p:ext uri="{BB962C8B-B14F-4D97-AF65-F5344CB8AC3E}">
-        <p14:creationId xmlns:p14="http://schemas.microsoft.com/office/powerpoint/2010/main" val="1932027183"/>
+        <p14:creationId xmlns:p14="http://schemas.microsoft.com/office/powerpoint/2010/main" val="581906323"/>
       </p:ext>
     </p:extLst>
   </p:cSld>
@@ -5315,7 +6030,7 @@
           <p:cNvPr id="2" name="Título 1">
             <a:extLst>
               <a:ext uri="{FF2B5EF4-FFF2-40B4-BE49-F238E27FC236}">
-                <a16:creationId xmlns:a16="http://schemas.microsoft.com/office/drawing/2014/main" id="{DFF67011-E6CA-02C6-592B-1D020673D939}"/>
+                <a16:creationId xmlns:a16="http://schemas.microsoft.com/office/drawing/2014/main" id="{C0B8BA0D-2834-3F17-88BB-0FDFAA939980}"/>
               </a:ext>
             </a:extLst>
           </p:cNvPr>
@@ -5328,13 +6043,28 @@
         </p:nvSpPr>
         <p:spPr/>
         <p:txBody>
-          <a:bodyPr/>
-          <a:lstStyle/>
-          <a:p>
-            <a:r>
-              <a:rPr lang="pt-BR" dirty="0"/>
-              <a:t>Teste 2</a:t>
-            </a:r>
+          <a:bodyPr>
+            <a:normAutofit/>
+          </a:bodyPr>
+          <a:lstStyle/>
+          <a:p>
+            <a:r>
+              <a:rPr lang="pt-BR" sz="3600" dirty="0"/>
+              <a:t>Conteúdo |  </a:t>
+            </a:r>
+            <a:r>
+              <a:rPr lang="pt-BR" sz="2400" b="1" dirty="0"/>
+              <a:t>Experiência (</a:t>
+            </a:r>
+            <a:r>
+              <a:rPr lang="pt-BR" sz="2400" b="1" dirty="0" err="1"/>
+              <a:t>pt.I</a:t>
+            </a:r>
+            <a:r>
+              <a:rPr lang="pt-BR" sz="2400" b="1" dirty="0"/>
+              <a:t>) </a:t>
+            </a:r>
+            <a:endParaRPr lang="pt-BR" sz="2400" dirty="0"/>
           </a:p>
         </p:txBody>
       </p:sp>
@@ -5343,7 +6073,7 @@
           <p:cNvPr id="3" name="Espaço Reservado para Conteúdo 2">
             <a:extLst>
               <a:ext uri="{FF2B5EF4-FFF2-40B4-BE49-F238E27FC236}">
-                <a16:creationId xmlns:a16="http://schemas.microsoft.com/office/drawing/2014/main" id="{069B95B6-651C-93C9-CAE0-57F8213C9D05}"/>
+                <a16:creationId xmlns:a16="http://schemas.microsoft.com/office/drawing/2014/main" id="{DDB8C4F3-A9F5-6150-B820-427C21C62172}"/>
               </a:ext>
             </a:extLst>
           </p:cNvPr>
@@ -5354,19 +6084,284 @@
             <p:ph idx="1"/>
           </p:nvPr>
         </p:nvSpPr>
-        <p:spPr/>
-        <p:txBody>
-          <a:bodyPr/>
-          <a:lstStyle/>
-          <a:p>
-            <a:endParaRPr lang="pt-BR"/>
+        <p:spPr>
+          <a:xfrm>
+            <a:off x="1097279" y="1872237"/>
+            <a:ext cx="10895937" cy="4985763"/>
+          </a:xfrm>
+        </p:spPr>
+        <p:txBody>
+          <a:bodyPr>
+            <a:normAutofit fontScale="47500" lnSpcReduction="20000"/>
+          </a:bodyPr>
+          <a:lstStyle/>
+          <a:p>
+            <a:pPr marL="0" indent="0">
+              <a:buNone/>
+            </a:pPr>
+            <a:r>
+              <a:rPr lang="pt-BR" sz="3800" b="1" dirty="0"/>
+              <a:t>   </a:t>
+            </a:r>
+            <a:br>
+              <a:rPr lang="pt-BR" sz="3800" b="1" dirty="0"/>
+            </a:br>
+            <a:r>
+              <a:rPr lang="pt-BR" sz="3800" b="1" dirty="0"/>
+              <a:t>  </a:t>
+            </a:r>
+          </a:p>
+          <a:p>
+            <a:pPr marL="0" indent="0">
+              <a:buNone/>
+            </a:pPr>
+            <a:r>
+              <a:rPr lang="pt-BR" sz="3800" b="1" dirty="0"/>
+              <a:t>  Experiências: </a:t>
+            </a:r>
+            <a:br>
+              <a:rPr lang="pt-BR" sz="3800" b="1" dirty="0"/>
+            </a:br>
+            <a:endParaRPr lang="pt-BR" sz="3800" b="1" dirty="0"/>
+          </a:p>
+          <a:p>
+            <a:pPr lvl="1">
+              <a:buFont typeface="Arial" panose="020B0604020202020204" pitchFamily="34" charset="0"/>
+              <a:buChar char="•"/>
+            </a:pPr>
+            <a:r>
+              <a:rPr lang="pt-BR" sz="3800" dirty="0"/>
+              <a:t>Parte mais relevante do currículo; </a:t>
+            </a:r>
+          </a:p>
+          <a:p>
+            <a:pPr lvl="1">
+              <a:buFont typeface="Arial" panose="020B0604020202020204" pitchFamily="34" charset="0"/>
+              <a:buChar char="•"/>
+            </a:pPr>
+            <a:r>
+              <a:rPr lang="pt-BR" sz="3800" dirty="0"/>
+              <a:t> Escrever bem sua experiência vai te dar embasamento para as próximas etapas.</a:t>
+            </a:r>
+          </a:p>
+          <a:p>
+            <a:pPr marL="0" indent="0">
+              <a:buNone/>
+            </a:pPr>
+            <a:r>
+              <a:rPr lang="pt-BR" sz="3800" b="1" dirty="0"/>
+              <a:t>  Objetivo das experiências: </a:t>
+            </a:r>
+            <a:br>
+              <a:rPr lang="pt-BR" sz="3800" b="1" dirty="0"/>
+            </a:br>
+            <a:endParaRPr lang="pt-BR" sz="3800" b="1" dirty="0"/>
+          </a:p>
+          <a:p>
+            <a:pPr lvl="1">
+              <a:buFont typeface="Arial" panose="020B0604020202020204" pitchFamily="34" charset="0"/>
+              <a:buChar char="•"/>
+            </a:pPr>
+            <a:r>
+              <a:rPr lang="pt-BR" sz="3800" dirty="0"/>
+              <a:t> Mostrar </a:t>
+            </a:r>
+            <a:r>
+              <a:rPr lang="pt-BR" sz="3800" dirty="0">
+                <a:effectLst>
+                  <a:outerShdw blurRad="38100" dist="38100" dir="2700000" algn="tl">
+                    <a:srgbClr val="000000">
+                      <a:alpha val="43137"/>
+                    </a:srgbClr>
+                  </a:outerShdw>
+                </a:effectLst>
+              </a:rPr>
+              <a:t>o que você sabe</a:t>
+            </a:r>
+            <a:r>
+              <a:rPr lang="pt-BR" sz="3800" dirty="0"/>
+              <a:t>; </a:t>
+            </a:r>
+          </a:p>
+          <a:p>
+            <a:pPr lvl="1">
+              <a:buFont typeface="Arial" panose="020B0604020202020204" pitchFamily="34" charset="0"/>
+              <a:buChar char="•"/>
+            </a:pPr>
+            <a:r>
+              <a:rPr lang="pt-BR" sz="3800" dirty="0"/>
+              <a:t>Mostrar o que </a:t>
+            </a:r>
+            <a:r>
+              <a:rPr lang="pt-BR" sz="3800" dirty="0">
+                <a:effectLst>
+                  <a:outerShdw blurRad="38100" dist="38100" dir="2700000" algn="tl">
+                    <a:srgbClr val="000000">
+                      <a:alpha val="43137"/>
+                    </a:srgbClr>
+                  </a:outerShdw>
+                </a:effectLst>
+              </a:rPr>
+              <a:t>desenvolveu</a:t>
+            </a:r>
+            <a:r>
+              <a:rPr lang="pt-BR" sz="3800" dirty="0"/>
+              <a:t>; </a:t>
+            </a:r>
+          </a:p>
+          <a:p>
+            <a:pPr lvl="1">
+              <a:buFont typeface="Arial" panose="020B0604020202020204" pitchFamily="34" charset="0"/>
+              <a:buChar char="•"/>
+            </a:pPr>
+            <a:r>
+              <a:rPr lang="pt-BR" sz="3800" dirty="0"/>
+              <a:t>Mostrar o que </a:t>
+            </a:r>
+            <a:r>
+              <a:rPr lang="pt-BR" sz="3800" dirty="0">
+                <a:effectLst>
+                  <a:outerShdw blurRad="38100" dist="38100" dir="2700000" algn="tl">
+                    <a:srgbClr val="000000">
+                      <a:alpha val="43137"/>
+                    </a:srgbClr>
+                  </a:outerShdw>
+                </a:effectLst>
+              </a:rPr>
+              <a:t>conhece de ferramentas </a:t>
+            </a:r>
+            <a:r>
+              <a:rPr lang="pt-BR" sz="3800" dirty="0"/>
+              <a:t>da área específica; </a:t>
+            </a:r>
+          </a:p>
+          <a:p>
+            <a:pPr lvl="1">
+              <a:buFont typeface="Arial" panose="020B0604020202020204" pitchFamily="34" charset="0"/>
+              <a:buChar char="•"/>
+            </a:pPr>
+            <a:r>
+              <a:rPr lang="pt-BR" sz="3800" dirty="0"/>
+              <a:t>Mostrar </a:t>
+            </a:r>
+            <a:r>
+              <a:rPr lang="pt-BR" sz="3800" dirty="0">
+                <a:effectLst>
+                  <a:outerShdw blurRad="38100" dist="38100" dir="2700000" algn="tl">
+                    <a:srgbClr val="000000">
+                      <a:alpha val="43137"/>
+                    </a:srgbClr>
+                  </a:outerShdw>
+                </a:effectLst>
+              </a:rPr>
+              <a:t>projetos</a:t>
+            </a:r>
+            <a:r>
+              <a:rPr lang="pt-BR" sz="3800" dirty="0"/>
+              <a:t> que tem participado; </a:t>
+            </a:r>
+          </a:p>
+          <a:p>
+            <a:pPr lvl="1">
+              <a:buFont typeface="Arial" panose="020B0604020202020204" pitchFamily="34" charset="0"/>
+              <a:buChar char="•"/>
+            </a:pPr>
+            <a:r>
+              <a:rPr lang="pt-BR" sz="3800" dirty="0"/>
+              <a:t>Mostrar o que tem feito para se </a:t>
+            </a:r>
+            <a:r>
+              <a:rPr lang="pt-BR" sz="3800" dirty="0">
+                <a:effectLst>
+                  <a:outerShdw blurRad="38100" dist="38100" dir="2700000" algn="tl">
+                    <a:srgbClr val="000000">
+                      <a:alpha val="43137"/>
+                    </a:srgbClr>
+                  </a:outerShdw>
+                </a:effectLst>
+              </a:rPr>
+              <a:t>desenvolver, aprender e crescer</a:t>
+            </a:r>
+            <a:r>
+              <a:rPr lang="pt-BR" sz="3800" dirty="0"/>
+              <a:t>.  </a:t>
+            </a:r>
+          </a:p>
+          <a:p>
+            <a:pPr lvl="1">
+              <a:buFont typeface="Arial" panose="020B0604020202020204" pitchFamily="34" charset="0"/>
+              <a:buChar char="•"/>
+            </a:pPr>
+            <a:r>
+              <a:rPr lang="pt-BR" sz="3800" dirty="0"/>
+              <a:t>Mostrar </a:t>
+            </a:r>
+            <a:r>
+              <a:rPr lang="pt-BR" sz="3800" dirty="0">
+                <a:effectLst>
+                  <a:outerShdw blurRad="38100" dist="38100" dir="2700000" algn="tl">
+                    <a:srgbClr val="000000">
+                      <a:alpha val="43137"/>
+                    </a:srgbClr>
+                  </a:outerShdw>
+                </a:effectLst>
+              </a:rPr>
+              <a:t>habilidades e capacidade</a:t>
+            </a:r>
+            <a:r>
+              <a:rPr lang="pt-BR" sz="3800" dirty="0"/>
+              <a:t>, o que você tem que a empresa precisa. </a:t>
+            </a:r>
+          </a:p>
+          <a:p>
+            <a:pPr lvl="1">
+              <a:buFont typeface="Arial" panose="020B0604020202020204" pitchFamily="34" charset="0"/>
+              <a:buChar char="•"/>
+            </a:pPr>
+            <a:endParaRPr lang="pt-BR" sz="3800" dirty="0"/>
+          </a:p>
+          <a:p>
+            <a:pPr>
+              <a:buFontTx/>
+              <a:buChar char="-"/>
+            </a:pPr>
+            <a:endParaRPr lang="pt-BR" sz="1800" dirty="0"/>
+          </a:p>
+          <a:p>
+            <a:pPr marL="0" indent="0">
+              <a:buNone/>
+            </a:pPr>
+            <a:r>
+              <a:rPr lang="pt-BR" sz="1800" b="1" dirty="0"/>
+              <a:t>   </a:t>
+            </a:r>
+          </a:p>
+          <a:p>
+            <a:pPr marL="0" indent="0">
+              <a:buNone/>
+            </a:pPr>
+            <a:br>
+              <a:rPr lang="pt-BR" sz="1700" b="1" dirty="0"/>
+            </a:br>
+            <a:endParaRPr lang="pt-BR" sz="1700" dirty="0"/>
+          </a:p>
+          <a:p>
+            <a:pPr marL="292608" lvl="1" indent="0">
+              <a:buNone/>
+            </a:pPr>
+            <a:endParaRPr lang="pt-BR" sz="1600" kern="0" dirty="0">
+              <a:effectLst/>
+              <a:latin typeface="Arial" panose="020B0604020202020204" pitchFamily="34" charset="0"/>
+              <a:ea typeface="Calibri" panose="020F0502020204030204" pitchFamily="34" charset="0"/>
+              <a:cs typeface="Times New Roman" panose="02020603050405020304" pitchFamily="18" charset="0"/>
+            </a:endParaRPr>
           </a:p>
         </p:txBody>
       </p:sp>
     </p:spTree>
     <p:extLst>
       <p:ext uri="{BB962C8B-B14F-4D97-AF65-F5344CB8AC3E}">
-        <p14:creationId xmlns:p14="http://schemas.microsoft.com/office/powerpoint/2010/main" val="3029821065"/>
+        <p14:creationId xmlns:p14="http://schemas.microsoft.com/office/powerpoint/2010/main" val="3054506514"/>
       </p:ext>
     </p:extLst>
   </p:cSld>
